--- a/Präsentationen/Präsentation 1.pptx
+++ b/Präsentationen/Präsentation 1.pptx
@@ -19,7 +19,7 @@
     <p:sldId id="272" r:id="rId10"/>
     <p:sldId id="273" r:id="rId11"/>
     <p:sldId id="274" r:id="rId12"/>
-    <p:sldId id="277" r:id="rId13"/>
+    <p:sldId id="278" r:id="rId13"/>
     <p:sldId id="264" r:id="rId14"/>
     <p:sldId id="275" r:id="rId15"/>
     <p:sldId id="276" r:id="rId16"/>
@@ -1901,7 +1901,7 @@
             </c:spPr>
             <c:extLst>
               <c:ext xmlns:c16="http://schemas.microsoft.com/office/drawing/2014/chart" uri="{C3380CC4-5D6E-409C-BE32-E72D297353CC}">
-                <c16:uniqueId val="{00000001-E8D9-4163-9485-066CDD5FECDB}"/>
+                <c16:uniqueId val="{00000001-B330-4E9F-B439-A6983839376E}"/>
               </c:ext>
             </c:extLst>
           </c:dPt>
@@ -1926,7 +1926,7 @@
             </c:spPr>
             <c:extLst>
               <c:ext xmlns:c16="http://schemas.microsoft.com/office/drawing/2014/chart" uri="{C3380CC4-5D6E-409C-BE32-E72D297353CC}">
-                <c16:uniqueId val="{00000003-E8D9-4163-9485-066CDD5FECDB}"/>
+                <c16:uniqueId val="{00000003-B330-4E9F-B439-A6983839376E}"/>
               </c:ext>
             </c:extLst>
           </c:dPt>
@@ -1951,7 +1951,7 @@
             </c:spPr>
             <c:extLst>
               <c:ext xmlns:c16="http://schemas.microsoft.com/office/drawing/2014/chart" uri="{C3380CC4-5D6E-409C-BE32-E72D297353CC}">
-                <c16:uniqueId val="{00000005-E8D9-4163-9485-066CDD5FECDB}"/>
+                <c16:uniqueId val="{00000005-B330-4E9F-B439-A6983839376E}"/>
               </c:ext>
             </c:extLst>
           </c:dPt>
@@ -1976,7 +1976,7 @@
             </c:spPr>
             <c:extLst>
               <c:ext xmlns:c16="http://schemas.microsoft.com/office/drawing/2014/chart" uri="{C3380CC4-5D6E-409C-BE32-E72D297353CC}">
-                <c16:uniqueId val="{00000007-0841-4034-A714-4A8EB5A8E537}"/>
+                <c16:uniqueId val="{00000007-B330-4E9F-B439-A6983839376E}"/>
               </c:ext>
             </c:extLst>
           </c:dPt>
@@ -2001,7 +2001,7 @@
             </c:spPr>
             <c:extLst>
               <c:ext xmlns:c16="http://schemas.microsoft.com/office/drawing/2014/chart" uri="{C3380CC4-5D6E-409C-BE32-E72D297353CC}">
-                <c16:uniqueId val="{00000009-0841-4034-A714-4A8EB5A8E537}"/>
+                <c16:uniqueId val="{00000009-B330-4E9F-B439-A6983839376E}"/>
               </c:ext>
             </c:extLst>
           </c:dPt>
@@ -2024,7 +2024,7 @@
               <c:extLst>
                 <c:ext xmlns:c15="http://schemas.microsoft.com/office/drawing/2012/chart" uri="{CE6537A1-D6FC-4f65-9D91-7224C49458BB}"/>
                 <c:ext xmlns:c16="http://schemas.microsoft.com/office/drawing/2014/chart" uri="{C3380CC4-5D6E-409C-BE32-E72D297353CC}">
-                  <c16:uniqueId val="{00000001-E8D9-4163-9485-066CDD5FECDB}"/>
+                  <c16:uniqueId val="{00000001-B330-4E9F-B439-A6983839376E}"/>
                 </c:ext>
               </c:extLst>
             </c:dLbl>
@@ -2046,7 +2046,7 @@
               <c:extLst>
                 <c:ext xmlns:c15="http://schemas.microsoft.com/office/drawing/2012/chart" uri="{CE6537A1-D6FC-4f65-9D91-7224C49458BB}"/>
                 <c:ext xmlns:c16="http://schemas.microsoft.com/office/drawing/2014/chart" uri="{C3380CC4-5D6E-409C-BE32-E72D297353CC}">
-                  <c16:uniqueId val="{00000000-EF37-445A-9A9F-453E48649D42}"/>
+                  <c16:uniqueId val="{0000000A-B330-4E9F-B439-A6983839376E}"/>
                 </c:ext>
               </c:extLst>
             </c:dLbl>
@@ -2151,7 +2151,7 @@
           </c:val>
           <c:extLst>
             <c:ext xmlns:c16="http://schemas.microsoft.com/office/drawing/2014/chart" uri="{C3380CC4-5D6E-409C-BE32-E72D297353CC}">
-              <c16:uniqueId val="{00000006-E8D9-4163-9485-066CDD5FECDB}"/>
+              <c16:uniqueId val="{0000000B-B330-4E9F-B439-A6983839376E}"/>
             </c:ext>
           </c:extLst>
         </c:ser>
@@ -13435,7 +13435,7 @@
           <a:p>
             <a:fld id="{7EBFC443-CD40-4212-9182-D05FC3714B07}" type="datetimeFigureOut">
               <a:rPr lang="de-DE" smtClean="0"/>
-              <a:t>20.03.2019</a:t>
+              <a:t>21.03.2019</a:t>
             </a:fld>
             <a:endParaRPr lang="de-DE"/>
           </a:p>
@@ -14703,7 +14703,7 @@
     </p:spTree>
     <p:extLst>
       <p:ext uri="{BB962C8B-B14F-4D97-AF65-F5344CB8AC3E}">
-        <p14:creationId xmlns:p14="http://schemas.microsoft.com/office/powerpoint/2010/main" val="1888649019"/>
+        <p14:creationId xmlns:p14="http://schemas.microsoft.com/office/powerpoint/2010/main" val="4199854867"/>
       </p:ext>
     </p:extLst>
   </p:cSld>
@@ -14944,7 +14944,7 @@
           <a:p>
             <a:fld id="{3565784B-2979-4455-B7AE-11349993F77E}" type="datetimeFigureOut">
               <a:rPr lang="de-DE" smtClean="0"/>
-              <a:t>20.03.2019</a:t>
+              <a:t>21.03.2019</a:t>
             </a:fld>
             <a:endParaRPr lang="de-DE"/>
           </a:p>
@@ -15142,7 +15142,7 @@
           <a:p>
             <a:fld id="{3565784B-2979-4455-B7AE-11349993F77E}" type="datetimeFigureOut">
               <a:rPr lang="de-DE" smtClean="0"/>
-              <a:t>20.03.2019</a:t>
+              <a:t>21.03.2019</a:t>
             </a:fld>
             <a:endParaRPr lang="de-DE"/>
           </a:p>
@@ -15350,7 +15350,7 @@
           <a:p>
             <a:fld id="{3565784B-2979-4455-B7AE-11349993F77E}" type="datetimeFigureOut">
               <a:rPr lang="de-DE" smtClean="0"/>
-              <a:t>20.03.2019</a:t>
+              <a:t>21.03.2019</a:t>
             </a:fld>
             <a:endParaRPr lang="de-DE"/>
           </a:p>
@@ -15548,7 +15548,7 @@
           <a:p>
             <a:fld id="{3565784B-2979-4455-B7AE-11349993F77E}" type="datetimeFigureOut">
               <a:rPr lang="de-DE" smtClean="0"/>
-              <a:t>20.03.2019</a:t>
+              <a:t>21.03.2019</a:t>
             </a:fld>
             <a:endParaRPr lang="de-DE"/>
           </a:p>
@@ -15823,7 +15823,7 @@
           <a:p>
             <a:fld id="{3565784B-2979-4455-B7AE-11349993F77E}" type="datetimeFigureOut">
               <a:rPr lang="de-DE" smtClean="0"/>
-              <a:t>20.03.2019</a:t>
+              <a:t>21.03.2019</a:t>
             </a:fld>
             <a:endParaRPr lang="de-DE"/>
           </a:p>
@@ -16088,7 +16088,7 @@
           <a:p>
             <a:fld id="{3565784B-2979-4455-B7AE-11349993F77E}" type="datetimeFigureOut">
               <a:rPr lang="de-DE" smtClean="0"/>
-              <a:t>20.03.2019</a:t>
+              <a:t>21.03.2019</a:t>
             </a:fld>
             <a:endParaRPr lang="de-DE"/>
           </a:p>
@@ -16500,7 +16500,7 @@
           <a:p>
             <a:fld id="{3565784B-2979-4455-B7AE-11349993F77E}" type="datetimeFigureOut">
               <a:rPr lang="de-DE" smtClean="0"/>
-              <a:t>20.03.2019</a:t>
+              <a:t>21.03.2019</a:t>
             </a:fld>
             <a:endParaRPr lang="de-DE"/>
           </a:p>
@@ -16641,7 +16641,7 @@
           <a:p>
             <a:fld id="{3565784B-2979-4455-B7AE-11349993F77E}" type="datetimeFigureOut">
               <a:rPr lang="de-DE" smtClean="0"/>
-              <a:t>20.03.2019</a:t>
+              <a:t>21.03.2019</a:t>
             </a:fld>
             <a:endParaRPr lang="de-DE"/>
           </a:p>
@@ -16754,7 +16754,7 @@
           <a:p>
             <a:fld id="{3565784B-2979-4455-B7AE-11349993F77E}" type="datetimeFigureOut">
               <a:rPr lang="de-DE" smtClean="0"/>
-              <a:t>20.03.2019</a:t>
+              <a:t>21.03.2019</a:t>
             </a:fld>
             <a:endParaRPr lang="de-DE"/>
           </a:p>
@@ -17065,7 +17065,7 @@
           <a:p>
             <a:fld id="{3565784B-2979-4455-B7AE-11349993F77E}" type="datetimeFigureOut">
               <a:rPr lang="de-DE" smtClean="0"/>
-              <a:t>20.03.2019</a:t>
+              <a:t>21.03.2019</a:t>
             </a:fld>
             <a:endParaRPr lang="de-DE"/>
           </a:p>
@@ -17353,7 +17353,7 @@
           <a:p>
             <a:fld id="{3565784B-2979-4455-B7AE-11349993F77E}" type="datetimeFigureOut">
               <a:rPr lang="de-DE" smtClean="0"/>
-              <a:t>20.03.2019</a:t>
+              <a:t>21.03.2019</a:t>
             </a:fld>
             <a:endParaRPr lang="de-DE"/>
           </a:p>
@@ -17594,7 +17594,7 @@
           <a:p>
             <a:fld id="{3565784B-2979-4455-B7AE-11349993F77E}" type="datetimeFigureOut">
               <a:rPr lang="de-DE" smtClean="0"/>
-              <a:t>20.03.2019</a:t>
+              <a:t>21.03.2019</a:t>
             </a:fld>
             <a:endParaRPr lang="de-DE"/>
           </a:p>
@@ -19512,6 +19512,14 @@
 <file path=ppt/slides/slide12.xml><?xml version="1.0" encoding="utf-8"?>
 <p:sld xmlns:a="http://schemas.openxmlformats.org/drawingml/2006/main" xmlns:r="http://schemas.openxmlformats.org/officeDocument/2006/relationships" xmlns:p="http://schemas.openxmlformats.org/presentationml/2006/main">
   <p:cSld>
+    <p:bg>
+      <p:bgPr>
+        <a:solidFill>
+          <a:schemeClr val="bg1"/>
+        </a:solidFill>
+        <a:effectLst/>
+      </p:bgPr>
+    </p:bg>
     <p:spTree>
       <p:nvGrpSpPr>
         <p:cNvPr id="1" name=""/>
@@ -19528,6 +19536,162 @@
       </p:grpSpPr>
       <p:sp>
         <p:nvSpPr>
+          <p:cNvPr id="21" name="Rectangle 20">
+            <a:extLst>
+              <a:ext uri="{FF2B5EF4-FFF2-40B4-BE49-F238E27FC236}">
+                <a16:creationId xmlns:a16="http://schemas.microsoft.com/office/drawing/2014/main" id="{6753252F-4873-4F63-801D-CC719279A7D5}"/>
+              </a:ext>
+              <a:ext uri="{C183D7F6-B498-43B3-948B-1728B52AA6E4}">
+                <adec:decorative xmlns:adec="http://schemas.microsoft.com/office/drawing/2017/decorative" val="1"/>
+              </a:ext>
+            </a:extLst>
+          </p:cNvPr>
+          <p:cNvSpPr>
+            <a:spLocks noGrp="1" noRot="1" noChangeAspect="1" noMove="1" noResize="1" noEditPoints="1" noAdjustHandles="1" noChangeArrowheads="1" noChangeShapeType="1" noTextEdit="1"/>
+          </p:cNvSpPr>
+          <p:nvPr>
+            <p:extLst>
+              <p:ext uri="{386F3935-93C4-4BCD-93E2-E3B085C9AB24}">
+                <p16:designElem xmlns:p16="http://schemas.microsoft.com/office/powerpoint/2015/main" val="1"/>
+              </p:ext>
+            </p:extLst>
+          </p:nvPr>
+        </p:nvSpPr>
+        <p:spPr>
+          <a:xfrm>
+            <a:off x="0" y="0"/>
+            <a:ext cx="12192000" cy="6858000"/>
+          </a:xfrm>
+          <a:prstGeom prst="rect">
+            <a:avLst/>
+          </a:prstGeom>
+          <a:solidFill>
+            <a:srgbClr val="FFFFFF"/>
+          </a:solidFill>
+          <a:ln>
+            <a:noFill/>
+          </a:ln>
+        </p:spPr>
+        <p:style>
+          <a:lnRef idx="2">
+            <a:schemeClr val="accent1">
+              <a:shade val="50000"/>
+            </a:schemeClr>
+          </a:lnRef>
+          <a:fillRef idx="1">
+            <a:schemeClr val="accent1"/>
+          </a:fillRef>
+          <a:effectRef idx="0">
+            <a:schemeClr val="accent1"/>
+          </a:effectRef>
+          <a:fontRef idx="minor">
+            <a:schemeClr val="lt1"/>
+          </a:fontRef>
+        </p:style>
+        <p:txBody>
+          <a:bodyPr rtlCol="0" anchor="ctr"/>
+          <a:lstStyle/>
+          <a:p>
+            <a:pPr algn="ctr"/>
+            <a:endParaRPr lang="en-US"/>
+          </a:p>
+        </p:txBody>
+      </p:sp>
+      <p:graphicFrame>
+        <p:nvGraphicFramePr>
+          <p:cNvPr id="8" name="Inhaltsplatzhalter 5">
+            <a:extLst>
+              <a:ext uri="{FF2B5EF4-FFF2-40B4-BE49-F238E27FC236}">
+                <a16:creationId xmlns:a16="http://schemas.microsoft.com/office/drawing/2014/main" id="{3A0C3C29-4170-49E9-B9CB-57226DF9652E}"/>
+              </a:ext>
+            </a:extLst>
+          </p:cNvPr>
+          <p:cNvGraphicFramePr>
+            <a:graphicFrameLocks/>
+          </p:cNvGraphicFramePr>
+          <p:nvPr>
+            <p:extLst>
+              <p:ext uri="{D42A27DB-BD31-4B8C-83A1-F6EECF244321}">
+                <p14:modId xmlns:p14="http://schemas.microsoft.com/office/powerpoint/2010/main" val="2181177453"/>
+              </p:ext>
+            </p:extLst>
+          </p:nvPr>
+        </p:nvGraphicFramePr>
+        <p:xfrm>
+          <a:off x="2942167" y="1250293"/>
+          <a:ext cx="9075231" cy="5394595"/>
+        </p:xfrm>
+        <a:graphic>
+          <a:graphicData uri="http://schemas.openxmlformats.org/drawingml/2006/chart">
+            <c:chart xmlns:c="http://schemas.openxmlformats.org/drawingml/2006/chart" xmlns:r="http://schemas.openxmlformats.org/officeDocument/2006/relationships" r:id="rId3"/>
+          </a:graphicData>
+        </a:graphic>
+      </p:graphicFrame>
+      <p:sp>
+        <p:nvSpPr>
+          <p:cNvPr id="23" name="Rectangle 22">
+            <a:extLst>
+              <a:ext uri="{FF2B5EF4-FFF2-40B4-BE49-F238E27FC236}">
+                <a16:creationId xmlns:a16="http://schemas.microsoft.com/office/drawing/2014/main" id="{047C8CCB-F95D-4249-92DD-651249D3535A}"/>
+              </a:ext>
+              <a:ext uri="{C183D7F6-B498-43B3-948B-1728B52AA6E4}">
+                <adec:decorative xmlns:adec="http://schemas.microsoft.com/office/drawing/2017/decorative" val="1"/>
+              </a:ext>
+            </a:extLst>
+          </p:cNvPr>
+          <p:cNvSpPr>
+            <a:spLocks noGrp="1" noRot="1" noChangeAspect="1" noMove="1" noResize="1" noEditPoints="1" noAdjustHandles="1" noChangeArrowheads="1" noChangeShapeType="1" noTextEdit="1"/>
+          </p:cNvSpPr>
+          <p:nvPr>
+            <p:extLst>
+              <p:ext uri="{386F3935-93C4-4BCD-93E2-E3B085C9AB24}">
+                <p16:designElem xmlns:p16="http://schemas.microsoft.com/office/powerpoint/2015/main" val="1"/>
+              </p:ext>
+            </p:extLst>
+          </p:nvPr>
+        </p:nvSpPr>
+        <p:spPr>
+          <a:xfrm>
+            <a:off x="0" y="0"/>
+            <a:ext cx="2013557" cy="6858000"/>
+          </a:xfrm>
+          <a:prstGeom prst="rect">
+            <a:avLst/>
+          </a:prstGeom>
+          <a:solidFill>
+            <a:srgbClr val="7F7F7F"/>
+          </a:solidFill>
+          <a:ln>
+            <a:noFill/>
+          </a:ln>
+        </p:spPr>
+        <p:style>
+          <a:lnRef idx="2">
+            <a:schemeClr val="accent1">
+              <a:shade val="50000"/>
+            </a:schemeClr>
+          </a:lnRef>
+          <a:fillRef idx="1">
+            <a:schemeClr val="accent1"/>
+          </a:fillRef>
+          <a:effectRef idx="0">
+            <a:schemeClr val="accent1"/>
+          </a:effectRef>
+          <a:fontRef idx="minor">
+            <a:schemeClr val="lt1"/>
+          </a:fontRef>
+        </p:style>
+        <p:txBody>
+          <a:bodyPr rtlCol="0" anchor="ctr"/>
+          <a:lstStyle/>
+          <a:p>
+            <a:pPr algn="ctr"/>
+            <a:endParaRPr lang="en-US"/>
+          </a:p>
+        </p:txBody>
+      </p:sp>
+      <p:sp>
+        <p:nvSpPr>
           <p:cNvPr id="3" name="Rechteck 2">
             <a:extLst>
               <a:ext uri="{FF2B5EF4-FFF2-40B4-BE49-F238E27FC236}">
@@ -19540,8 +19704,8 @@
         </p:nvSpPr>
         <p:spPr>
           <a:xfrm>
-            <a:off x="3275951" y="390850"/>
-            <a:ext cx="8379218" cy="584775"/>
+            <a:off x="2327564" y="291100"/>
+            <a:ext cx="9689834" cy="584775"/>
           </a:xfrm>
           <a:prstGeom prst="rect">
             <a:avLst/>
@@ -19549,14 +19713,14 @@
           <a:noFill/>
         </p:spPr>
         <p:txBody>
-          <a:bodyPr wrap="none" lIns="91440" tIns="45720" rIns="91440" bIns="45720">
+          <a:bodyPr wrap="square" lIns="91440" tIns="45720" rIns="91440" bIns="45720">
             <a:spAutoFit/>
           </a:bodyPr>
           <a:lstStyle/>
           <a:p>
             <a:pPr algn="ctr"/>
             <a:r>
-              <a:rPr lang="de-DE" sz="3200" b="0" cap="none" spc="0" dirty="0">
+              <a:rPr lang="de-DE" sz="3200" dirty="0">
                 <a:ln w="0"/>
                 <a:gradFill>
                   <a:gsLst>
@@ -19581,38 +19745,11 @@
                   <a:reflection blurRad="6350" stA="53000" endA="300" endPos="35500" dir="5400000" sy="-90000" algn="bl" rotWithShape="0"/>
                 </a:effectLst>
               </a:rPr>
-              <a:t>Erkennst du einen Mehrwert in allen Teilgebieten</a:t>
+              <a:t>Erkennst du einen Mehrwert in allen Teilgebieten?</a:t>
             </a:r>
           </a:p>
         </p:txBody>
       </p:sp>
-      <p:graphicFrame>
-        <p:nvGraphicFramePr>
-          <p:cNvPr id="9" name="Inhaltsplatzhalter 5">
-            <a:extLst>
-              <a:ext uri="{FF2B5EF4-FFF2-40B4-BE49-F238E27FC236}">
-                <a16:creationId xmlns:a16="http://schemas.microsoft.com/office/drawing/2014/main" id="{2A7493B7-DB1F-4F3B-89AC-1F671E8E1AF3}"/>
-              </a:ext>
-            </a:extLst>
-          </p:cNvPr>
-          <p:cNvGraphicFramePr>
-            <a:graphicFrameLocks noGrp="1"/>
-          </p:cNvGraphicFramePr>
-          <p:nvPr>
-            <p:ph idx="1"/>
-            <p:extLst/>
-          </p:nvPr>
-        </p:nvGraphicFramePr>
-        <p:xfrm>
-          <a:off x="2942167" y="1250293"/>
-          <a:ext cx="9075231" cy="5394595"/>
-        </p:xfrm>
-        <a:graphic>
-          <a:graphicData uri="http://schemas.openxmlformats.org/drawingml/2006/chart">
-            <c:chart xmlns:c="http://schemas.openxmlformats.org/drawingml/2006/chart" xmlns:r="http://schemas.openxmlformats.org/officeDocument/2006/relationships" r:id="rId3"/>
-          </a:graphicData>
-        </a:graphic>
-      </p:graphicFrame>
       <p:sp>
         <p:nvSpPr>
           <p:cNvPr id="2" name="Titel 1">
@@ -19670,7 +19807,7 @@
     </p:spTree>
     <p:extLst>
       <p:ext uri="{BB962C8B-B14F-4D97-AF65-F5344CB8AC3E}">
-        <p14:creationId xmlns:p14="http://schemas.microsoft.com/office/powerpoint/2010/main" val="1166977616"/>
+        <p14:creationId xmlns:p14="http://schemas.microsoft.com/office/powerpoint/2010/main" val="3897636470"/>
       </p:ext>
     </p:extLst>
   </p:cSld>

--- a/Präsentationen/Präsentation 1.pptx
+++ b/Präsentationen/Präsentation 1.pptx
@@ -5,7 +5,7 @@
     <p:sldMasterId id="2147483648" r:id="rId1"/>
   </p:sldMasterIdLst>
   <p:notesMasterIdLst>
-    <p:notesMasterId r:id="rId19"/>
+    <p:notesMasterId r:id="rId20"/>
   </p:notesMasterIdLst>
   <p:sldIdLst>
     <p:sldId id="256" r:id="rId2"/>
@@ -25,6 +25,7 @@
     <p:sldId id="276" r:id="rId16"/>
     <p:sldId id="265" r:id="rId17"/>
     <p:sldId id="266" r:id="rId18"/>
+    <p:sldId id="279" r:id="rId19"/>
   </p:sldIdLst>
   <p:sldSz cx="12192000" cy="6858000"/>
   <p:notesSz cx="6858000" cy="9144000"/>
@@ -584,31 +585,6 @@
               </c:ext>
             </c:extLst>
           </c:dPt>
-          <c:dPt>
-            <c:idx val="4"/>
-            <c:bubble3D val="0"/>
-            <c:spPr>
-              <a:solidFill>
-                <a:schemeClr val="accent5"/>
-              </a:solidFill>
-              <a:ln>
-                <a:noFill/>
-              </a:ln>
-              <a:effectLst>
-                <a:outerShdw blurRad="254000" sx="102000" sy="102000" algn="ctr" rotWithShape="0">
-                  <a:prstClr val="black">
-                    <a:alpha val="20000"/>
-                  </a:prstClr>
-                </a:outerShdw>
-              </a:effectLst>
-              <a:sp3d/>
-            </c:spPr>
-            <c:extLst>
-              <c:ext xmlns:c16="http://schemas.microsoft.com/office/drawing/2014/chart" uri="{C3380CC4-5D6E-409C-BE32-E72D297353CC}">
-                <c16:uniqueId val="{00000009-0841-4034-A714-4A8EB5A8E537}"/>
-              </c:ext>
-            </c:extLst>
-          </c:dPt>
           <c:dLbls>
             <c:spPr>
               <a:pattFill prst="pct75">
@@ -682,22 +658,19 @@
           </c:dLbls>
           <c:cat>
             <c:strRef>
-              <c:f>Tabelle1!$A$2:$A$6</c:f>
+              <c:f>Tabelle1!$A$2:$A$5</c:f>
               <c:strCache>
-                <c:ptCount val="5"/>
+                <c:ptCount val="4"/>
                 <c:pt idx="0">
-                  <c:v>Handel</c:v>
+                  <c:v>Industrie</c:v>
                 </c:pt>
                 <c:pt idx="1">
-                  <c:v>Industrie</c:v>
+                  <c:v>Dienstleistung &amp; Consulting</c:v>
                 </c:pt>
                 <c:pt idx="2">
-                  <c:v>Dienstleistung &amp; Consulting</c:v>
+                  <c:v>Finanzen, Versicherung</c:v>
                 </c:pt>
                 <c:pt idx="3">
-                  <c:v>Finanzen, Versicherung</c:v>
-                </c:pt>
-                <c:pt idx="4">
                   <c:v>Service-Management</c:v>
                 </c:pt>
               </c:strCache>
@@ -705,23 +678,20 @@
           </c:cat>
           <c:val>
             <c:numRef>
-              <c:f>Tabelle1!$B$2:$B$6</c:f>
+              <c:f>Tabelle1!$B$2:$B$5</c:f>
               <c:numCache>
                 <c:formatCode>General</c:formatCode>
-                <c:ptCount val="5"/>
+                <c:ptCount val="4"/>
                 <c:pt idx="0">
-                  <c:v>0</c:v>
+                  <c:v>30</c:v>
                 </c:pt>
                 <c:pt idx="1">
-                  <c:v>30</c:v>
+                  <c:v>40</c:v>
                 </c:pt>
                 <c:pt idx="2">
-                  <c:v>40</c:v>
+                  <c:v>45</c:v>
                 </c:pt>
                 <c:pt idx="3">
-                  <c:v>45</c:v>
-                </c:pt>
-                <c:pt idx="4">
                   <c:v>10</c:v>
                 </c:pt>
               </c:numCache>
@@ -8819,10 +8789,10 @@
         <a:lstStyle/>
         <a:p>
           <a:r>
-            <a:rPr lang="de-DE"/>
-            <a:t>Erwartung der Kunden</a:t>
+            <a:rPr lang="de-DE" dirty="0"/>
+            <a:t>Interviews &amp; Erwartung der Kunden</a:t>
           </a:r>
-          <a:endParaRPr lang="en-US"/>
+          <a:endParaRPr lang="en-US" dirty="0"/>
         </a:p>
       </dgm:t>
     </dgm:pt>
@@ -10014,10 +9984,10 @@
             <a:buNone/>
           </a:pPr>
           <a:r>
-            <a:rPr lang="de-DE" sz="1900" kern="1200"/>
-            <a:t>Erwartung der Kunden</a:t>
+            <a:rPr lang="de-DE" sz="1900" kern="1200" dirty="0"/>
+            <a:t>Interviews &amp; Erwartung der Kunden</a:t>
           </a:r>
-          <a:endParaRPr lang="en-US" sz="1900" kern="1200"/>
+          <a:endParaRPr lang="en-US" sz="1900" kern="1200" dirty="0"/>
         </a:p>
       </dsp:txBody>
       <dsp:txXfrm>
@@ -22367,6 +22337,514 @@
 </p:sld>
 </file>
 
+<file path=ppt/slides/slide18.xml><?xml version="1.0" encoding="utf-8"?>
+<p:sld xmlns:a="http://schemas.openxmlformats.org/drawingml/2006/main" xmlns:r="http://schemas.openxmlformats.org/officeDocument/2006/relationships" xmlns:p="http://schemas.openxmlformats.org/presentationml/2006/main">
+  <p:cSld>
+    <p:bg>
+      <p:bgPr>
+        <a:solidFill>
+          <a:schemeClr val="bg1"/>
+        </a:solidFill>
+        <a:effectLst/>
+      </p:bgPr>
+    </p:bg>
+    <p:spTree>
+      <p:nvGrpSpPr>
+        <p:cNvPr id="1" name=""/>
+        <p:cNvGrpSpPr/>
+        <p:nvPr/>
+      </p:nvGrpSpPr>
+      <p:grpSpPr>
+        <a:xfrm>
+          <a:off x="0" y="0"/>
+          <a:ext cx="0" cy="0"/>
+          <a:chOff x="0" y="0"/>
+          <a:chExt cx="0" cy="0"/>
+        </a:xfrm>
+      </p:grpSpPr>
+      <p:sp>
+        <p:nvSpPr>
+          <p:cNvPr id="21" name="Rectangle 20">
+            <a:extLst>
+              <a:ext uri="{FF2B5EF4-FFF2-40B4-BE49-F238E27FC236}">
+                <a16:creationId xmlns:a16="http://schemas.microsoft.com/office/drawing/2014/main" id="{6753252F-4873-4F63-801D-CC719279A7D5}"/>
+              </a:ext>
+              <a:ext uri="{C183D7F6-B498-43B3-948B-1728B52AA6E4}">
+                <adec:decorative xmlns:adec="http://schemas.microsoft.com/office/drawing/2017/decorative" val="1"/>
+              </a:ext>
+            </a:extLst>
+          </p:cNvPr>
+          <p:cNvSpPr>
+            <a:spLocks noGrp="1" noRot="1" noChangeAspect="1" noMove="1" noResize="1" noEditPoints="1" noAdjustHandles="1" noChangeArrowheads="1" noChangeShapeType="1" noTextEdit="1"/>
+          </p:cNvSpPr>
+          <p:nvPr>
+            <p:extLst>
+              <p:ext uri="{386F3935-93C4-4BCD-93E2-E3B085C9AB24}">
+                <p16:designElem xmlns:p16="http://schemas.microsoft.com/office/powerpoint/2015/main" val="1"/>
+              </p:ext>
+            </p:extLst>
+          </p:nvPr>
+        </p:nvSpPr>
+        <p:spPr>
+          <a:xfrm>
+            <a:off x="0" y="0"/>
+            <a:ext cx="12192000" cy="6858000"/>
+          </a:xfrm>
+          <a:prstGeom prst="rect">
+            <a:avLst/>
+          </a:prstGeom>
+          <a:solidFill>
+            <a:srgbClr val="FFFFFF"/>
+          </a:solidFill>
+          <a:ln>
+            <a:noFill/>
+          </a:ln>
+        </p:spPr>
+        <p:style>
+          <a:lnRef idx="2">
+            <a:schemeClr val="accent1">
+              <a:shade val="50000"/>
+            </a:schemeClr>
+          </a:lnRef>
+          <a:fillRef idx="1">
+            <a:schemeClr val="accent1"/>
+          </a:fillRef>
+          <a:effectRef idx="0">
+            <a:schemeClr val="accent1"/>
+          </a:effectRef>
+          <a:fontRef idx="minor">
+            <a:schemeClr val="lt1"/>
+          </a:fontRef>
+        </p:style>
+        <p:txBody>
+          <a:bodyPr rtlCol="0" anchor="ctr"/>
+          <a:lstStyle/>
+          <a:p>
+            <a:pPr algn="ctr"/>
+            <a:endParaRPr lang="en-US"/>
+          </a:p>
+        </p:txBody>
+      </p:sp>
+      <p:sp>
+        <p:nvSpPr>
+          <p:cNvPr id="23" name="Rectangle 22">
+            <a:extLst>
+              <a:ext uri="{FF2B5EF4-FFF2-40B4-BE49-F238E27FC236}">
+                <a16:creationId xmlns:a16="http://schemas.microsoft.com/office/drawing/2014/main" id="{047C8CCB-F95D-4249-92DD-651249D3535A}"/>
+              </a:ext>
+              <a:ext uri="{C183D7F6-B498-43B3-948B-1728B52AA6E4}">
+                <adec:decorative xmlns:adec="http://schemas.microsoft.com/office/drawing/2017/decorative" val="1"/>
+              </a:ext>
+            </a:extLst>
+          </p:cNvPr>
+          <p:cNvSpPr>
+            <a:spLocks noGrp="1" noRot="1" noChangeAspect="1" noMove="1" noResize="1" noEditPoints="1" noAdjustHandles="1" noChangeArrowheads="1" noChangeShapeType="1" noTextEdit="1"/>
+          </p:cNvSpPr>
+          <p:nvPr>
+            <p:extLst>
+              <p:ext uri="{386F3935-93C4-4BCD-93E2-E3B085C9AB24}">
+                <p16:designElem xmlns:p16="http://schemas.microsoft.com/office/powerpoint/2015/main" val="1"/>
+              </p:ext>
+            </p:extLst>
+          </p:nvPr>
+        </p:nvSpPr>
+        <p:spPr>
+          <a:xfrm>
+            <a:off x="0" y="0"/>
+            <a:ext cx="2013557" cy="6858000"/>
+          </a:xfrm>
+          <a:prstGeom prst="rect">
+            <a:avLst/>
+          </a:prstGeom>
+          <a:solidFill>
+            <a:srgbClr val="7F7F7F"/>
+          </a:solidFill>
+          <a:ln>
+            <a:noFill/>
+          </a:ln>
+        </p:spPr>
+        <p:style>
+          <a:lnRef idx="2">
+            <a:schemeClr val="accent1">
+              <a:shade val="50000"/>
+            </a:schemeClr>
+          </a:lnRef>
+          <a:fillRef idx="1">
+            <a:schemeClr val="accent1"/>
+          </a:fillRef>
+          <a:effectRef idx="0">
+            <a:schemeClr val="accent1"/>
+          </a:effectRef>
+          <a:fontRef idx="minor">
+            <a:schemeClr val="lt1"/>
+          </a:fontRef>
+        </p:style>
+        <p:txBody>
+          <a:bodyPr rtlCol="0" anchor="ctr"/>
+          <a:lstStyle/>
+          <a:p>
+            <a:pPr algn="ctr"/>
+            <a:endParaRPr lang="en-US"/>
+          </a:p>
+        </p:txBody>
+      </p:sp>
+      <p:sp>
+        <p:nvSpPr>
+          <p:cNvPr id="2" name="Titel 1">
+            <a:extLst>
+              <a:ext uri="{FF2B5EF4-FFF2-40B4-BE49-F238E27FC236}">
+                <a16:creationId xmlns:a16="http://schemas.microsoft.com/office/drawing/2014/main" id="{C5D4EF48-E966-48E4-A952-A766FD8C0720}"/>
+              </a:ext>
+            </a:extLst>
+          </p:cNvPr>
+          <p:cNvSpPr>
+            <a:spLocks noGrp="1"/>
+          </p:cNvSpPr>
+          <p:nvPr>
+            <p:ph type="title"/>
+          </p:nvPr>
+        </p:nvSpPr>
+        <p:spPr>
+          <a:xfrm>
+            <a:off x="640080" y="2074363"/>
+            <a:ext cx="2752354" cy="2709275"/>
+          </a:xfrm>
+          <a:prstGeom prst="ellipse">
+            <a:avLst/>
+          </a:prstGeom>
+          <a:solidFill>
+            <a:srgbClr val="262626"/>
+          </a:solidFill>
+          <a:ln w="174625" cmpd="thinThick">
+            <a:solidFill>
+              <a:srgbClr val="262626"/>
+            </a:solidFill>
+          </a:ln>
+        </p:spPr>
+        <p:txBody>
+          <a:bodyPr vert="horz" lIns="91440" tIns="45720" rIns="91440" bIns="45720" rtlCol="0" anchor="ctr">
+            <a:normAutofit/>
+          </a:bodyPr>
+          <a:lstStyle/>
+          <a:p>
+            <a:pPr algn="ctr"/>
+            <a:r>
+              <a:rPr lang="en-US" sz="2600" kern="1200" dirty="0">
+                <a:solidFill>
+                  <a:srgbClr val="FFFFFF"/>
+                </a:solidFill>
+                <a:latin typeface="+mj-lt"/>
+                <a:ea typeface="+mj-ea"/>
+                <a:cs typeface="+mj-cs"/>
+              </a:rPr>
+              <a:t>Top Issues</a:t>
+            </a:r>
+          </a:p>
+        </p:txBody>
+      </p:sp>
+      <p:sp>
+        <p:nvSpPr>
+          <p:cNvPr id="3" name="Rechteck 2">
+            <a:extLst>
+              <a:ext uri="{FF2B5EF4-FFF2-40B4-BE49-F238E27FC236}">
+                <a16:creationId xmlns:a16="http://schemas.microsoft.com/office/drawing/2014/main" id="{0403F51C-C145-428D-82AF-BCEFA314B775}"/>
+              </a:ext>
+            </a:extLst>
+          </p:cNvPr>
+          <p:cNvSpPr/>
+          <p:nvPr/>
+        </p:nvSpPr>
+        <p:spPr>
+          <a:xfrm>
+            <a:off x="2799813" y="1151033"/>
+            <a:ext cx="6592382" cy="923330"/>
+          </a:xfrm>
+          <a:prstGeom prst="rect">
+            <a:avLst/>
+          </a:prstGeom>
+          <a:noFill/>
+        </p:spPr>
+        <p:txBody>
+          <a:bodyPr wrap="none" lIns="91440" tIns="45720" rIns="91440" bIns="45720">
+            <a:spAutoFit/>
+          </a:bodyPr>
+          <a:lstStyle/>
+          <a:p>
+            <a:pPr algn="ctr"/>
+            <a:r>
+              <a:rPr lang="de-DE" sz="5400" b="0" cap="none" spc="0" dirty="0">
+                <a:ln w="0"/>
+                <a:gradFill>
+                  <a:gsLst>
+                    <a:gs pos="0">
+                      <a:schemeClr val="accent5">
+                        <a:lumMod val="50000"/>
+                      </a:schemeClr>
+                    </a:gs>
+                    <a:gs pos="50000">
+                      <a:schemeClr val="accent5"/>
+                    </a:gs>
+                    <a:gs pos="100000">
+                      <a:schemeClr val="accent5">
+                        <a:lumMod val="60000"/>
+                        <a:lumOff val="40000"/>
+                      </a:schemeClr>
+                    </a:gs>
+                  </a:gsLst>
+                  <a:lin ang="5400000"/>
+                </a:gradFill>
+                <a:effectLst>
+                  <a:reflection blurRad="6350" stA="53000" endA="300" endPos="35500" dir="5400000" sy="-90000" algn="bl" rotWithShape="0"/>
+                </a:effectLst>
+              </a:rPr>
+              <a:t>Keine Wahlmöglichkeit</a:t>
+            </a:r>
+          </a:p>
+        </p:txBody>
+      </p:sp>
+      <p:sp>
+        <p:nvSpPr>
+          <p:cNvPr id="7" name="Rechteck 6">
+            <a:extLst>
+              <a:ext uri="{FF2B5EF4-FFF2-40B4-BE49-F238E27FC236}">
+                <a16:creationId xmlns:a16="http://schemas.microsoft.com/office/drawing/2014/main" id="{B7706720-EBF5-4236-98A8-EDEFDD474245}"/>
+              </a:ext>
+            </a:extLst>
+          </p:cNvPr>
+          <p:cNvSpPr/>
+          <p:nvPr/>
+        </p:nvSpPr>
+        <p:spPr>
+          <a:xfrm>
+            <a:off x="4808227" y="2615254"/>
+            <a:ext cx="5967980" cy="1754326"/>
+          </a:xfrm>
+          <a:prstGeom prst="rect">
+            <a:avLst/>
+          </a:prstGeom>
+          <a:noFill/>
+        </p:spPr>
+        <p:txBody>
+          <a:bodyPr wrap="none" lIns="91440" tIns="45720" rIns="91440" bIns="45720">
+            <a:spAutoFit/>
+          </a:bodyPr>
+          <a:lstStyle/>
+          <a:p>
+            <a:pPr algn="ctr"/>
+            <a:r>
+              <a:rPr lang="de-DE" sz="5400" b="0" cap="none" spc="0" dirty="0">
+                <a:ln w="0"/>
+                <a:gradFill>
+                  <a:gsLst>
+                    <a:gs pos="0">
+                      <a:schemeClr val="accent5">
+                        <a:lumMod val="50000"/>
+                      </a:schemeClr>
+                    </a:gs>
+                    <a:gs pos="50000">
+                      <a:schemeClr val="accent5"/>
+                    </a:gs>
+                    <a:gs pos="100000">
+                      <a:schemeClr val="accent5">
+                        <a:lumMod val="60000"/>
+                        <a:lumOff val="40000"/>
+                      </a:schemeClr>
+                    </a:gs>
+                  </a:gsLst>
+                  <a:lin ang="5400000"/>
+                </a:gradFill>
+                <a:effectLst>
+                  <a:reflection blurRad="6350" stA="53000" endA="300" endPos="35500" dir="5400000" sy="-90000" algn="bl" rotWithShape="0"/>
+                </a:effectLst>
+              </a:rPr>
+              <a:t>Rudimentäre</a:t>
+            </a:r>
+            <a:br>
+              <a:rPr lang="de-DE" sz="5400" b="0" cap="none" spc="0" dirty="0">
+                <a:ln w="0"/>
+                <a:gradFill>
+                  <a:gsLst>
+                    <a:gs pos="0">
+                      <a:schemeClr val="accent5">
+                        <a:lumMod val="50000"/>
+                      </a:schemeClr>
+                    </a:gs>
+                    <a:gs pos="50000">
+                      <a:schemeClr val="accent5"/>
+                    </a:gs>
+                    <a:gs pos="100000">
+                      <a:schemeClr val="accent5">
+                        <a:lumMod val="60000"/>
+                        <a:lumOff val="40000"/>
+                      </a:schemeClr>
+                    </a:gs>
+                  </a:gsLst>
+                  <a:lin ang="5400000"/>
+                </a:gradFill>
+                <a:effectLst>
+                  <a:reflection blurRad="6350" stA="53000" endA="300" endPos="35500" dir="5400000" sy="-90000" algn="bl" rotWithShape="0"/>
+                </a:effectLst>
+              </a:rPr>
+            </a:br>
+            <a:r>
+              <a:rPr lang="de-DE" sz="5400" b="0" cap="none" spc="0" dirty="0">
+                <a:ln w="0"/>
+                <a:gradFill>
+                  <a:gsLst>
+                    <a:gs pos="0">
+                      <a:schemeClr val="accent5">
+                        <a:lumMod val="50000"/>
+                      </a:schemeClr>
+                    </a:gs>
+                    <a:gs pos="50000">
+                      <a:schemeClr val="accent5"/>
+                    </a:gs>
+                    <a:gs pos="100000">
+                      <a:schemeClr val="accent5">
+                        <a:lumMod val="60000"/>
+                        <a:lumOff val="40000"/>
+                      </a:schemeClr>
+                    </a:gs>
+                  </a:gsLst>
+                  <a:lin ang="5400000"/>
+                </a:gradFill>
+                <a:effectLst>
+                  <a:reflection blurRad="6350" stA="53000" endA="300" endPos="35500" dir="5400000" sy="-90000" algn="bl" rotWithShape="0"/>
+                </a:effectLst>
+              </a:rPr>
+              <a:t>E-Learning Plattform</a:t>
+            </a:r>
+          </a:p>
+        </p:txBody>
+      </p:sp>
+      <p:sp>
+        <p:nvSpPr>
+          <p:cNvPr id="8" name="Rechteck 7">
+            <a:extLst>
+              <a:ext uri="{FF2B5EF4-FFF2-40B4-BE49-F238E27FC236}">
+                <a16:creationId xmlns:a16="http://schemas.microsoft.com/office/drawing/2014/main" id="{09E1EA23-EEAD-494A-A3C5-B8CC1D52020C}"/>
+              </a:ext>
+            </a:extLst>
+          </p:cNvPr>
+          <p:cNvSpPr/>
+          <p:nvPr/>
+        </p:nvSpPr>
+        <p:spPr>
+          <a:xfrm>
+            <a:off x="6655484" y="4910471"/>
+            <a:ext cx="5473421" cy="1754326"/>
+          </a:xfrm>
+          <a:prstGeom prst="rect">
+            <a:avLst/>
+          </a:prstGeom>
+          <a:noFill/>
+        </p:spPr>
+        <p:txBody>
+          <a:bodyPr wrap="none" lIns="91440" tIns="45720" rIns="91440" bIns="45720">
+            <a:spAutoFit/>
+          </a:bodyPr>
+          <a:lstStyle/>
+          <a:p>
+            <a:pPr algn="ctr"/>
+            <a:r>
+              <a:rPr lang="de-DE" sz="5400" b="0" cap="none" spc="0" dirty="0">
+                <a:ln w="0"/>
+                <a:gradFill>
+                  <a:gsLst>
+                    <a:gs pos="0">
+                      <a:schemeClr val="accent5">
+                        <a:lumMod val="50000"/>
+                      </a:schemeClr>
+                    </a:gs>
+                    <a:gs pos="50000">
+                      <a:schemeClr val="accent5"/>
+                    </a:gs>
+                    <a:gs pos="100000">
+                      <a:schemeClr val="accent5">
+                        <a:lumMod val="60000"/>
+                        <a:lumOff val="40000"/>
+                      </a:schemeClr>
+                    </a:gs>
+                  </a:gsLst>
+                  <a:lin ang="5400000"/>
+                </a:gradFill>
+                <a:effectLst>
+                  <a:reflection blurRad="6350" stA="53000" endA="300" endPos="35500" dir="5400000" sy="-90000" algn="bl" rotWithShape="0"/>
+                </a:effectLst>
+              </a:rPr>
+              <a:t>Keine </a:t>
+            </a:r>
+            <a:br>
+              <a:rPr lang="de-DE" sz="5400" b="0" cap="none" spc="0" dirty="0">
+                <a:ln w="0"/>
+                <a:gradFill>
+                  <a:gsLst>
+                    <a:gs pos="0">
+                      <a:schemeClr val="accent5">
+                        <a:lumMod val="50000"/>
+                      </a:schemeClr>
+                    </a:gs>
+                    <a:gs pos="50000">
+                      <a:schemeClr val="accent5"/>
+                    </a:gs>
+                    <a:gs pos="100000">
+                      <a:schemeClr val="accent5">
+                        <a:lumMod val="60000"/>
+                        <a:lumOff val="40000"/>
+                      </a:schemeClr>
+                    </a:gs>
+                  </a:gsLst>
+                  <a:lin ang="5400000"/>
+                </a:gradFill>
+                <a:effectLst>
+                  <a:reflection blurRad="6350" stA="53000" endA="300" endPos="35500" dir="5400000" sy="-90000" algn="bl" rotWithShape="0"/>
+                </a:effectLst>
+              </a:rPr>
+            </a:br>
+            <a:r>
+              <a:rPr lang="de-DE" sz="5400" b="0" cap="none" spc="0" dirty="0">
+                <a:ln w="0"/>
+                <a:gradFill>
+                  <a:gsLst>
+                    <a:gs pos="0">
+                      <a:schemeClr val="accent5">
+                        <a:lumMod val="50000"/>
+                      </a:schemeClr>
+                    </a:gs>
+                    <a:gs pos="50000">
+                      <a:schemeClr val="accent5"/>
+                    </a:gs>
+                    <a:gs pos="100000">
+                      <a:schemeClr val="accent5">
+                        <a:lumMod val="60000"/>
+                        <a:lumOff val="40000"/>
+                      </a:schemeClr>
+                    </a:gs>
+                  </a:gsLst>
+                  <a:lin ang="5400000"/>
+                </a:gradFill>
+                <a:effectLst>
+                  <a:reflection blurRad="6350" stA="53000" endA="300" endPos="35500" dir="5400000" sy="-90000" algn="bl" rotWithShape="0"/>
+                </a:effectLst>
+              </a:rPr>
+              <a:t>Onlinevorlesungen</a:t>
+            </a:r>
+          </a:p>
+        </p:txBody>
+      </p:sp>
+    </p:spTree>
+    <p:extLst>
+      <p:ext uri="{BB962C8B-B14F-4D97-AF65-F5344CB8AC3E}">
+        <p14:creationId xmlns:p14="http://schemas.microsoft.com/office/powerpoint/2010/main" val="308691506"/>
+      </p:ext>
+    </p:extLst>
+  </p:cSld>
+  <p:clrMapOvr>
+    <a:masterClrMapping/>
+  </p:clrMapOvr>
+</p:sld>
+</file>
+
 <file path=ppt/slides/slide2.xml><?xml version="1.0" encoding="utf-8"?>
 <p:sld xmlns:a="http://schemas.openxmlformats.org/drawingml/2006/main" xmlns:r="http://schemas.openxmlformats.org/officeDocument/2006/relationships" xmlns:p="http://schemas.openxmlformats.org/presentationml/2006/main">
   <p:cSld>
@@ -22928,7 +23406,7 @@
             <p:ph idx="1"/>
             <p:extLst>
               <p:ext uri="{D42A27DB-BD31-4B8C-83A1-F6EECF244321}">
-                <p14:modId xmlns:p14="http://schemas.microsoft.com/office/powerpoint/2010/main" val="4112205880"/>
+                <p14:modId xmlns:p14="http://schemas.microsoft.com/office/powerpoint/2010/main" val="1174730869"/>
               </p:ext>
             </p:extLst>
           </p:nvPr>
@@ -27709,7 +28187,7 @@
             <p:ph idx="1"/>
             <p:extLst>
               <p:ext uri="{D42A27DB-BD31-4B8C-83A1-F6EECF244321}">
-                <p14:modId xmlns:p14="http://schemas.microsoft.com/office/powerpoint/2010/main" val="797616017"/>
+                <p14:modId xmlns:p14="http://schemas.microsoft.com/office/powerpoint/2010/main" val="1539239417"/>
               </p:ext>
             </p:extLst>
           </p:nvPr>

--- a/Präsentationen/Präsentation 1.pptx
+++ b/Präsentationen/Präsentation 1.pptx
@@ -18380,35 +18380,9 @@
         </p:spPr>
         <p:txBody>
           <a:bodyPr>
-            <a:normAutofit fontScale="85000" lnSpcReduction="20000"/>
+            <a:normAutofit lnSpcReduction="10000"/>
           </a:bodyPr>
           <a:lstStyle/>
-          <a:p>
-            <a:r>
-              <a:rPr lang="de-DE" sz="2000" dirty="0">
-                <a:solidFill>
-                  <a:srgbClr val="FFFFFF"/>
-                </a:solidFill>
-              </a:rPr>
-              <a:t>Al </a:t>
-            </a:r>
-            <a:r>
-              <a:rPr lang="de-DE" sz="2000" dirty="0" err="1">
-                <a:solidFill>
-                  <a:srgbClr val="FFFFFF"/>
-                </a:solidFill>
-              </a:rPr>
-              <a:t>Hamoud</a:t>
-            </a:r>
-            <a:r>
-              <a:rPr lang="de-DE" sz="2000" dirty="0">
-                <a:solidFill>
-                  <a:srgbClr val="FFFFFF"/>
-                </a:solidFill>
-              </a:rPr>
-              <a:t>, Salam</a:t>
-            </a:r>
-          </a:p>
           <a:p>
             <a:r>
               <a:rPr lang="de-DE" sz="2000" dirty="0">
@@ -24525,8 +24499,8 @@
         </p:nvSpPr>
         <p:spPr>
           <a:xfrm>
-            <a:off x="7287312" y="6151014"/>
-            <a:ext cx="1016047" cy="523220"/>
+            <a:off x="6863447" y="6151014"/>
+            <a:ext cx="1863780" cy="523220"/>
           </a:xfrm>
           <a:prstGeom prst="rect">
             <a:avLst/>
@@ -24541,7 +24515,7 @@
           <a:p>
             <a:pPr algn="ctr"/>
             <a:r>
-              <a:rPr lang="de-DE" sz="2800" b="1" cap="none" spc="0" dirty="0">
+              <a:rPr lang="de-DE" sz="2800" b="1" cap="none" spc="0" dirty="0" err="1">
                 <a:ln w="13462">
                   <a:solidFill>
                     <a:schemeClr val="bg1"/>
@@ -24560,8 +24534,27 @@
                   </a:outerShdw>
                 </a:effectLst>
               </a:rPr>
-              <a:t>Value</a:t>
+              <a:t>Complexity</a:t>
             </a:r>
+            <a:endParaRPr lang="de-DE" sz="2800" b="1" cap="none" spc="0" dirty="0">
+              <a:ln w="13462">
+                <a:solidFill>
+                  <a:schemeClr val="bg1"/>
+                </a:solidFill>
+                <a:prstDash val="solid"/>
+              </a:ln>
+              <a:solidFill>
+                <a:schemeClr val="tx1">
+                  <a:lumMod val="85000"/>
+                  <a:lumOff val="15000"/>
+                </a:schemeClr>
+              </a:solidFill>
+              <a:effectLst>
+                <a:outerShdw dist="38100" dir="2700000" algn="bl" rotWithShape="0">
+                  <a:schemeClr val="accent5"/>
+                </a:outerShdw>
+              </a:effectLst>
+            </a:endParaRPr>
           </a:p>
         </p:txBody>
       </p:sp>
@@ -25009,35 +25002,9 @@
         </p:spPr>
         <p:txBody>
           <a:bodyPr>
-            <a:normAutofit fontScale="85000" lnSpcReduction="20000"/>
+            <a:normAutofit lnSpcReduction="10000"/>
           </a:bodyPr>
           <a:lstStyle/>
-          <a:p>
-            <a:r>
-              <a:rPr lang="de-DE" sz="2000" dirty="0">
-                <a:solidFill>
-                  <a:srgbClr val="FFFFFF"/>
-                </a:solidFill>
-              </a:rPr>
-              <a:t>Al </a:t>
-            </a:r>
-            <a:r>
-              <a:rPr lang="de-DE" sz="2000" dirty="0" err="1">
-                <a:solidFill>
-                  <a:srgbClr val="FFFFFF"/>
-                </a:solidFill>
-              </a:rPr>
-              <a:t>Hamoud</a:t>
-            </a:r>
-            <a:r>
-              <a:rPr lang="de-DE" sz="2000" dirty="0">
-                <a:solidFill>
-                  <a:srgbClr val="FFFFFF"/>
-                </a:solidFill>
-              </a:rPr>
-              <a:t>, Salam</a:t>
-            </a:r>
-          </a:p>
           <a:p>
             <a:r>
               <a:rPr lang="de-DE" sz="2000" dirty="0">
